--- a/figure/Brakelightning.pptx
+++ b/figure/Brakelightning.pptx
@@ -289,7 +289,7 @@
           <a:p>
             <a:fld id="{EDCA34DA-8D8E-234A-953E-963D2BED93B8}" type="datetimeFigureOut">
               <a:rPr lang="en-US" smtClean="0"/>
-              <a:t>11/10/16</a:t>
+              <a:t>24/10/16</a:t>
             </a:fld>
             <a:endParaRPr lang="en-US"/>
           </a:p>
@@ -459,7 +459,7 @@
           <a:p>
             <a:fld id="{EDCA34DA-8D8E-234A-953E-963D2BED93B8}" type="datetimeFigureOut">
               <a:rPr lang="en-US" smtClean="0"/>
-              <a:t>11/10/16</a:t>
+              <a:t>24/10/16</a:t>
             </a:fld>
             <a:endParaRPr lang="en-US"/>
           </a:p>
@@ -639,7 +639,7 @@
           <a:p>
             <a:fld id="{EDCA34DA-8D8E-234A-953E-963D2BED93B8}" type="datetimeFigureOut">
               <a:rPr lang="en-US" smtClean="0"/>
-              <a:t>11/10/16</a:t>
+              <a:t>24/10/16</a:t>
             </a:fld>
             <a:endParaRPr lang="en-US"/>
           </a:p>
@@ -809,7 +809,7 @@
           <a:p>
             <a:fld id="{EDCA34DA-8D8E-234A-953E-963D2BED93B8}" type="datetimeFigureOut">
               <a:rPr lang="en-US" smtClean="0"/>
-              <a:t>11/10/16</a:t>
+              <a:t>24/10/16</a:t>
             </a:fld>
             <a:endParaRPr lang="en-US"/>
           </a:p>
@@ -1055,7 +1055,7 @@
           <a:p>
             <a:fld id="{EDCA34DA-8D8E-234A-953E-963D2BED93B8}" type="datetimeFigureOut">
               <a:rPr lang="en-US" smtClean="0"/>
-              <a:t>11/10/16</a:t>
+              <a:t>24/10/16</a:t>
             </a:fld>
             <a:endParaRPr lang="en-US"/>
           </a:p>
@@ -1343,7 +1343,7 @@
           <a:p>
             <a:fld id="{EDCA34DA-8D8E-234A-953E-963D2BED93B8}" type="datetimeFigureOut">
               <a:rPr lang="en-US" smtClean="0"/>
-              <a:t>11/10/16</a:t>
+              <a:t>24/10/16</a:t>
             </a:fld>
             <a:endParaRPr lang="en-US"/>
           </a:p>
@@ -1765,7 +1765,7 @@
           <a:p>
             <a:fld id="{EDCA34DA-8D8E-234A-953E-963D2BED93B8}" type="datetimeFigureOut">
               <a:rPr lang="en-US" smtClean="0"/>
-              <a:t>11/10/16</a:t>
+              <a:t>24/10/16</a:t>
             </a:fld>
             <a:endParaRPr lang="en-US"/>
           </a:p>
@@ -1883,7 +1883,7 @@
           <a:p>
             <a:fld id="{EDCA34DA-8D8E-234A-953E-963D2BED93B8}" type="datetimeFigureOut">
               <a:rPr lang="en-US" smtClean="0"/>
-              <a:t>11/10/16</a:t>
+              <a:t>24/10/16</a:t>
             </a:fld>
             <a:endParaRPr lang="en-US"/>
           </a:p>
@@ -1978,7 +1978,7 @@
           <a:p>
             <a:fld id="{EDCA34DA-8D8E-234A-953E-963D2BED93B8}" type="datetimeFigureOut">
               <a:rPr lang="en-US" smtClean="0"/>
-              <a:t>11/10/16</a:t>
+              <a:t>24/10/16</a:t>
             </a:fld>
             <a:endParaRPr lang="en-US"/>
           </a:p>
@@ -2255,7 +2255,7 @@
           <a:p>
             <a:fld id="{EDCA34DA-8D8E-234A-953E-963D2BED93B8}" type="datetimeFigureOut">
               <a:rPr lang="en-US" smtClean="0"/>
-              <a:t>11/10/16</a:t>
+              <a:t>24/10/16</a:t>
             </a:fld>
             <a:endParaRPr lang="en-US"/>
           </a:p>
@@ -2508,7 +2508,7 @@
           <a:p>
             <a:fld id="{EDCA34DA-8D8E-234A-953E-963D2BED93B8}" type="datetimeFigureOut">
               <a:rPr lang="en-US" smtClean="0"/>
-              <a:t>11/10/16</a:t>
+              <a:t>24/10/16</a:t>
             </a:fld>
             <a:endParaRPr lang="en-US"/>
           </a:p>
@@ -2721,7 +2721,7 @@
           <a:p>
             <a:fld id="{EDCA34DA-8D8E-234A-953E-963D2BED93B8}" type="datetimeFigureOut">
               <a:rPr lang="en-US" smtClean="0"/>
-              <a:t>11/10/16</a:t>
+              <a:t>24/10/16</a:t>
             </a:fld>
             <a:endParaRPr lang="en-US"/>
           </a:p>
@@ -3424,7 +3424,11 @@
             <a:pPr algn="ctr"/>
             <a:r>
               <a:rPr lang="en-US" sz="1600" dirty="0" smtClean="0"/>
-              <a:t>Brake light sensor SWC</a:t>
+              <a:t>Brake light </a:t>
+            </a:r>
+            <a:r>
+              <a:rPr lang="en-US" sz="1600" dirty="0" smtClean="0"/>
+              <a:t>control SWC</a:t>
             </a:r>
             <a:endParaRPr lang="en-US" sz="1600" dirty="0"/>
           </a:p>
